--- a/000 드론 멘토링 문서 템플릿.pptx
+++ b/000 드론 멘토링 문서 템플릿.pptx
@@ -7965,7 +7965,7 @@
           <a:p>
             <a:fld id="{60456C2F-1F67-44A5-80B0-9C3A6CA33C82}" type="datetimeFigureOut">
               <a:rPr lang="en-US" smtClean="0"/>
-              <a:t>7/1/2019</a:t>
+              <a:t>7/10/2019</a:t>
             </a:fld>
             <a:endParaRPr lang="en-US"/>
           </a:p>
@@ -8362,9 +8362,9 @@
           <a:bodyPr/>
           <a:lstStyle/>
           <a:p>
-            <a:fld id="{B8E5124C-2581-401B-9997-FF105A177F6D}" type="datetime1">
+            <a:fld id="{77E878A0-001B-44B0-8C5D-6AD2DBBB64D3}" type="datetime1">
               <a:rPr lang="ko-KR" altLang="en-US" smtClean="0"/>
-              <a:t>2019-07-01</a:t>
+              <a:t>2019-07-10</a:t>
             </a:fld>
             <a:endParaRPr lang="en-US"/>
           </a:p>
@@ -8386,8 +8386,16 @@
           <a:lstStyle/>
           <a:p>
             <a:r>
+              <a:rPr lang="en-US" altLang="ko-KR" smtClean="0"/>
+              <a:t>{</a:t>
+            </a:r>
+            <a:r>
               <a:rPr lang="ko-KR" altLang="en-US" smtClean="0"/>
-              <a:t>발표 주제 수정</a:t>
+              <a:t>발표 주제 바닥글 수정</a:t>
+            </a:r>
+            <a:r>
+              <a:rPr lang="en-US" altLang="ko-KR" smtClean="0"/>
+              <a:t>}</a:t>
             </a:r>
             <a:endParaRPr lang="en-US"/>
           </a:p>
@@ -8461,9 +8469,9 @@
           <a:bodyPr/>
           <a:lstStyle/>
           <a:p>
-            <a:fld id="{1CCF3AF0-3913-4506-9B77-4ADEDC116878}" type="datetime1">
+            <a:fld id="{9E8A9E1E-AE0E-4A48-95EA-91938BD5E9F0}" type="datetime1">
               <a:rPr lang="ko-KR" altLang="en-US" smtClean="0"/>
-              <a:t>2019-07-01</a:t>
+              <a:t>2019-07-10</a:t>
             </a:fld>
             <a:endParaRPr lang="en-US"/>
           </a:p>
@@ -8485,8 +8493,16 @@
           <a:lstStyle/>
           <a:p>
             <a:r>
+              <a:rPr lang="en-US" altLang="ko-KR" smtClean="0"/>
+              <a:t>{</a:t>
+            </a:r>
+            <a:r>
               <a:rPr lang="ko-KR" altLang="en-US" smtClean="0"/>
-              <a:t>발표 주제 수정</a:t>
+              <a:t>발표 주제 바닥글 수정</a:t>
+            </a:r>
+            <a:r>
+              <a:rPr lang="en-US" altLang="ko-KR" smtClean="0"/>
+              <a:t>}</a:t>
             </a:r>
             <a:endParaRPr lang="en-US"/>
           </a:p>
@@ -8635,9 +8651,9 @@
           <a:bodyPr/>
           <a:lstStyle/>
           <a:p>
-            <a:fld id="{29D7D9FE-9FFE-4B51-8135-9E7582072A71}" type="datetime1">
+            <a:fld id="{87E00A65-1955-4186-AF42-E92A051B257D}" type="datetime1">
               <a:rPr lang="ko-KR" altLang="en-US" smtClean="0"/>
-              <a:t>2019-07-01</a:t>
+              <a:t>2019-07-10</a:t>
             </a:fld>
             <a:endParaRPr lang="en-US"/>
           </a:p>
@@ -8659,8 +8675,16 @@
           <a:lstStyle/>
           <a:p>
             <a:r>
+              <a:rPr lang="en-US" altLang="ko-KR" smtClean="0"/>
+              <a:t>{</a:t>
+            </a:r>
+            <a:r>
               <a:rPr lang="ko-KR" altLang="en-US" smtClean="0"/>
-              <a:t>발표 주제 수정</a:t>
+              <a:t>발표 주제 바닥글 수정</a:t>
+            </a:r>
+            <a:r>
+              <a:rPr lang="en-US" altLang="ko-KR" smtClean="0"/>
+              <a:t>}</a:t>
             </a:r>
             <a:endParaRPr lang="en-US"/>
           </a:p>
@@ -8886,9 +8910,9 @@
           <a:bodyPr/>
           <a:lstStyle/>
           <a:p>
-            <a:fld id="{8D3E5AEA-8783-4421-A8B7-668365E20CDD}" type="datetime1">
+            <a:fld id="{5897D560-716E-496D-ACC5-C639977EA19A}" type="datetime1">
               <a:rPr lang="ko-KR" altLang="en-US" smtClean="0"/>
-              <a:t>2019-07-01</a:t>
+              <a:t>2019-07-10</a:t>
             </a:fld>
             <a:endParaRPr lang="en-US"/>
           </a:p>
@@ -8910,8 +8934,16 @@
           <a:lstStyle/>
           <a:p>
             <a:r>
+              <a:rPr lang="en-US" altLang="ko-KR" smtClean="0"/>
+              <a:t>{</a:t>
+            </a:r>
+            <a:r>
               <a:rPr lang="ko-KR" altLang="en-US" smtClean="0"/>
-              <a:t>발표 주제 수정</a:t>
+              <a:t>발표 주제 바닥글 수정</a:t>
+            </a:r>
+            <a:r>
+              <a:rPr lang="en-US" altLang="ko-KR" smtClean="0"/>
+              <a:t>}</a:t>
             </a:r>
             <a:endParaRPr lang="en-US"/>
           </a:p>
@@ -9202,9 +9234,9 @@
           <a:bodyPr/>
           <a:lstStyle/>
           <a:p>
-            <a:fld id="{8478A1EE-C964-45FA-8124-70074B733FC2}" type="datetime1">
+            <a:fld id="{8FBC2B8A-FB4A-44C0-A248-5CDF1FBB4724}" type="datetime1">
               <a:rPr lang="ko-KR" altLang="en-US" smtClean="0"/>
-              <a:t>2019-07-01</a:t>
+              <a:t>2019-07-10</a:t>
             </a:fld>
             <a:endParaRPr lang="en-US"/>
           </a:p>
@@ -9226,8 +9258,16 @@
           <a:lstStyle/>
           <a:p>
             <a:r>
+              <a:rPr lang="en-US" altLang="ko-KR" smtClean="0"/>
+              <a:t>{</a:t>
+            </a:r>
+            <a:r>
               <a:rPr lang="ko-KR" altLang="en-US" smtClean="0"/>
-              <a:t>발표 주제 수정</a:t>
+              <a:t>발표 주제 바닥글 수정</a:t>
+            </a:r>
+            <a:r>
+              <a:rPr lang="en-US" altLang="ko-KR" smtClean="0"/>
+              <a:t>}</a:t>
             </a:r>
             <a:endParaRPr lang="en-US"/>
           </a:p>
@@ -9538,9 +9578,9 @@
           <a:bodyPr/>
           <a:lstStyle/>
           <a:p>
-            <a:fld id="{B6F4BAEE-A8BD-4906-B2A2-1A32241A1914}" type="datetime1">
+            <a:fld id="{6C9EB3B3-8ABF-4438-B18A-131F4AD52673}" type="datetime1">
               <a:rPr lang="ko-KR" altLang="en-US" smtClean="0"/>
-              <a:t>2019-07-01</a:t>
+              <a:t>2019-07-10</a:t>
             </a:fld>
             <a:endParaRPr lang="en-US"/>
           </a:p>
@@ -9562,8 +9602,16 @@
           <a:lstStyle/>
           <a:p>
             <a:r>
+              <a:rPr lang="en-US" altLang="ko-KR" smtClean="0"/>
+              <a:t>{</a:t>
+            </a:r>
+            <a:r>
               <a:rPr lang="ko-KR" altLang="en-US" smtClean="0"/>
-              <a:t>발표 주제 수정</a:t>
+              <a:t>발표 주제 바닥글 수정</a:t>
+            </a:r>
+            <a:r>
+              <a:rPr lang="en-US" altLang="ko-KR" smtClean="0"/>
+              <a:t>}</a:t>
             </a:r>
             <a:endParaRPr lang="en-US"/>
           </a:p>
@@ -9817,9 +9865,9 @@
           <a:bodyPr/>
           <a:lstStyle/>
           <a:p>
-            <a:fld id="{57E284EE-9A0F-4E73-B167-44DEE8CB01E2}" type="datetime1">
+            <a:fld id="{4BB1D6E9-035F-4354-BA35-9846ABCCA34B}" type="datetime1">
               <a:rPr lang="ko-KR" altLang="en-US" smtClean="0"/>
-              <a:t>2019-07-01</a:t>
+              <a:t>2019-07-10</a:t>
             </a:fld>
             <a:endParaRPr lang="en-US"/>
           </a:p>
@@ -9841,8 +9889,16 @@
           <a:lstStyle/>
           <a:p>
             <a:r>
+              <a:rPr lang="en-US" altLang="ko-KR" smtClean="0"/>
+              <a:t>{</a:t>
+            </a:r>
+            <a:r>
               <a:rPr lang="ko-KR" altLang="en-US" smtClean="0"/>
-              <a:t>발표 주제 수정</a:t>
+              <a:t>발표 주제 바닥글 수정</a:t>
+            </a:r>
+            <a:r>
+              <a:rPr lang="en-US" altLang="ko-KR" smtClean="0"/>
+              <a:t>}</a:t>
             </a:r>
             <a:endParaRPr lang="en-US"/>
           </a:p>
@@ -10133,9 +10189,9 @@
           <a:bodyPr/>
           <a:lstStyle/>
           <a:p>
-            <a:fld id="{84A9E903-EF9D-49C0-819C-1609F9C836BD}" type="datetime1">
+            <a:fld id="{33E3F7E2-9C10-418D-83AF-E278B1F16C2D}" type="datetime1">
               <a:rPr lang="ko-KR" altLang="en-US" smtClean="0"/>
-              <a:t>2019-07-01</a:t>
+              <a:t>2019-07-10</a:t>
             </a:fld>
             <a:endParaRPr lang="en-US"/>
           </a:p>
@@ -10157,8 +10213,16 @@
           <a:lstStyle/>
           <a:p>
             <a:r>
+              <a:rPr lang="en-US" altLang="ko-KR" smtClean="0"/>
+              <a:t>{</a:t>
+            </a:r>
+            <a:r>
               <a:rPr lang="ko-KR" altLang="en-US" smtClean="0"/>
-              <a:t>발표 주제 수정</a:t>
+              <a:t>발표 주제 바닥글 수정</a:t>
+            </a:r>
+            <a:r>
+              <a:rPr lang="en-US" altLang="ko-KR" smtClean="0"/>
+              <a:t>}</a:t>
             </a:r>
             <a:endParaRPr lang="en-US"/>
           </a:p>
@@ -10547,9 +10611,9 @@
           <a:bodyPr/>
           <a:lstStyle/>
           <a:p>
-            <a:fld id="{D5248069-80D6-4C8E-9646-D5414E6779B8}" type="datetime1">
+            <a:fld id="{F57C67A1-B7EE-4FA2-AF8F-DCEA62099769}" type="datetime1">
               <a:rPr lang="ko-KR" altLang="en-US" smtClean="0"/>
-              <a:t>2019-07-01</a:t>
+              <a:t>2019-07-10</a:t>
             </a:fld>
             <a:endParaRPr lang="en-US"/>
           </a:p>
@@ -10571,8 +10635,16 @@
           <a:lstStyle/>
           <a:p>
             <a:r>
+              <a:rPr lang="en-US" altLang="ko-KR" smtClean="0"/>
+              <a:t>{</a:t>
+            </a:r>
+            <a:r>
               <a:rPr lang="ko-KR" altLang="en-US" smtClean="0"/>
-              <a:t>발표 주제 수정</a:t>
+              <a:t>발표 주제 바닥글 수정</a:t>
+            </a:r>
+            <a:r>
+              <a:rPr lang="en-US" altLang="ko-KR" smtClean="0"/>
+              <a:t>}</a:t>
             </a:r>
             <a:endParaRPr lang="en-US"/>
           </a:p>
@@ -10669,9 +10741,9 @@
           <a:bodyPr/>
           <a:lstStyle/>
           <a:p>
-            <a:fld id="{E7F784BB-C1DE-4AF3-9848-82793038BB73}" type="datetime1">
+            <a:fld id="{EDE656DD-1A09-452E-9C8C-349EE45DA79A}" type="datetime1">
               <a:rPr lang="ko-KR" altLang="en-US" smtClean="0"/>
-              <a:t>2019-07-01</a:t>
+              <a:t>2019-07-10</a:t>
             </a:fld>
             <a:endParaRPr lang="en-US"/>
           </a:p>
@@ -10698,8 +10770,16 @@
           <a:lstStyle/>
           <a:p>
             <a:r>
+              <a:rPr lang="en-US" altLang="ko-KR" smtClean="0"/>
+              <a:t>{</a:t>
+            </a:r>
+            <a:r>
               <a:rPr lang="ko-KR" altLang="en-US" smtClean="0"/>
-              <a:t>발표 주제 수정</a:t>
+              <a:t>발표 주제 바닥글 수정</a:t>
+            </a:r>
+            <a:r>
+              <a:rPr lang="en-US" altLang="ko-KR" smtClean="0"/>
+              <a:t>}</a:t>
             </a:r>
             <a:endParaRPr lang="en-US"/>
           </a:p>
@@ -10936,9 +11016,9 @@
             </a:lvl1pPr>
           </a:lstStyle>
           <a:p>
-            <a:fld id="{6E32B475-CF09-4E91-8518-660A1CE073E8}" type="datetime1">
+            <a:fld id="{A7C53B0D-9156-4C2B-AF4D-B68168F6ED36}" type="datetime1">
               <a:rPr lang="ko-KR" altLang="en-US" smtClean="0"/>
-              <a:t>2019-07-01</a:t>
+              <a:t>2019-07-10</a:t>
             </a:fld>
             <a:endParaRPr lang="en-US"/>
           </a:p>
@@ -10980,8 +11060,16 @@
           </a:lstStyle>
           <a:p>
             <a:r>
+              <a:rPr lang="en-US" altLang="ko-KR" smtClean="0"/>
+              <a:t>{</a:t>
+            </a:r>
+            <a:r>
               <a:rPr lang="ko-KR" altLang="en-US" smtClean="0"/>
-              <a:t>발표 주제 수정</a:t>
+              <a:t>발표 주제 바닥글 수정</a:t>
+            </a:r>
+            <a:r>
+              <a:rPr lang="en-US" altLang="ko-KR" smtClean="0"/>
+              <a:t>}</a:t>
             </a:r>
             <a:endParaRPr lang="en-US"/>
           </a:p>
@@ -11418,8 +11506,8 @@
               <a:t>년 </a:t>
             </a:r>
             <a:r>
-              <a:rPr lang="en-US" altLang="ko-KR" smtClean="0"/>
-              <a:t>6</a:t>
+              <a:rPr lang="en-US" altLang="ko-KR"/>
+              <a:t>7</a:t>
             </a:r>
             <a:r>
               <a:rPr lang="ko-KR" altLang="en-US" smtClean="0"/>
@@ -11442,8 +11530,16 @@
               </a:lnSpc>
             </a:pPr>
             <a:r>
+              <a:rPr lang="en-US" altLang="ko-KR" smtClean="0"/>
+              <a:t>{</a:t>
+            </a:r>
+            <a:r>
               <a:rPr lang="ko-KR" altLang="en-US" smtClean="0"/>
-              <a:t>발표자 이름 수정</a:t>
+              <a:t>발표자 이름</a:t>
+            </a:r>
+            <a:r>
+              <a:rPr lang="en-US" altLang="ko-KR" smtClean="0"/>
+              <a:t>}</a:t>
             </a:r>
             <a:endParaRPr lang="en-US" dirty="0"/>
           </a:p>
@@ -11455,11 +11551,7 @@
             </a:pPr>
             <a:r>
               <a:rPr lang="ko-KR" altLang="en-US" smtClean="0"/>
-              <a:t>한세대학교  </a:t>
-            </a:r>
-            <a:r>
-              <a:rPr lang="ko-KR" altLang="en-US" smtClean="0"/>
-              <a:t>일반대학원</a:t>
+              <a:t>한세대학교  일반대학원</a:t>
             </a:r>
             <a:endParaRPr lang="en-US" altLang="ko-KR" smtClean="0"/>
           </a:p>
@@ -11580,9 +11672,9 @@
           <a:bodyPr/>
           <a:lstStyle/>
           <a:p>
-            <a:fld id="{7D99A993-5017-4D9E-85BB-AF1449BD6E2F}" type="datetime1">
+            <a:fld id="{86B52D89-234C-4EA5-93FD-523499A38989}" type="datetime1">
               <a:rPr lang="ko-KR" altLang="en-US" smtClean="0"/>
-              <a:t>2019-07-01</a:t>
+              <a:t>2019-07-10</a:t>
             </a:fld>
             <a:endParaRPr lang="en-US"/>
           </a:p>
@@ -11604,8 +11696,16 @@
           <a:lstStyle/>
           <a:p>
             <a:r>
+              <a:rPr lang="en-US" altLang="ko-KR" smtClean="0"/>
+              <a:t>{</a:t>
+            </a:r>
+            <a:r>
               <a:rPr lang="ko-KR" altLang="en-US" smtClean="0"/>
-              <a:t>발표 주제 수정</a:t>
+              <a:t>발표 주제 바닥글 수정</a:t>
+            </a:r>
+            <a:r>
+              <a:rPr lang="en-US" altLang="ko-KR" smtClean="0"/>
+              <a:t>}</a:t>
             </a:r>
             <a:endParaRPr lang="en-US"/>
           </a:p>
@@ -11735,9 +11835,9 @@
           <a:bodyPr/>
           <a:lstStyle/>
           <a:p>
-            <a:fld id="{5FC5362A-C60D-48BE-8483-CF86711A3ADC}" type="datetime1">
+            <a:fld id="{22C715FD-191D-4438-8D52-621D8B0E0666}" type="datetime1">
               <a:rPr lang="ko-KR" altLang="en-US" smtClean="0"/>
-              <a:t>2019-07-01</a:t>
+              <a:t>2019-07-10</a:t>
             </a:fld>
             <a:endParaRPr lang="en-US"/>
           </a:p>
@@ -11759,8 +11859,16 @@
           <a:lstStyle/>
           <a:p>
             <a:r>
+              <a:rPr lang="en-US" altLang="ko-KR" smtClean="0"/>
+              <a:t>{</a:t>
+            </a:r>
+            <a:r>
               <a:rPr lang="ko-KR" altLang="en-US" smtClean="0"/>
-              <a:t>발표 주제 수정</a:t>
+              <a:t>발표 주제 바닥글 수정</a:t>
+            </a:r>
+            <a:r>
+              <a:rPr lang="en-US" altLang="ko-KR" smtClean="0"/>
+              <a:t>}</a:t>
             </a:r>
             <a:endParaRPr lang="en-US"/>
           </a:p>

--- a/000 드론 멘토링 문서 템플릿.pptx
+++ b/000 드론 멘토링 문서 템플릿.pptx
@@ -7965,7 +7965,7 @@
           <a:p>
             <a:fld id="{60456C2F-1F67-44A5-80B0-9C3A6CA33C82}" type="datetimeFigureOut">
               <a:rPr lang="en-US" smtClean="0"/>
-              <a:t>7/10/2019</a:t>
+              <a:t>7/14/2019</a:t>
             </a:fld>
             <a:endParaRPr lang="en-US"/>
           </a:p>
@@ -8364,7 +8364,7 @@
           <a:p>
             <a:fld id="{77E878A0-001B-44B0-8C5D-6AD2DBBB64D3}" type="datetime1">
               <a:rPr lang="ko-KR" altLang="en-US" smtClean="0"/>
-              <a:t>2019-07-10</a:t>
+              <a:t>2019-07-14</a:t>
             </a:fld>
             <a:endParaRPr lang="en-US"/>
           </a:p>
@@ -8386,15 +8386,15 @@
           <a:lstStyle/>
           <a:p>
             <a:r>
-              <a:rPr lang="en-US" altLang="ko-KR" smtClean="0"/>
+              <a:rPr lang="en-US" altLang="ko-KR"/>
               <a:t>{</a:t>
             </a:r>
             <a:r>
-              <a:rPr lang="ko-KR" altLang="en-US" smtClean="0"/>
+              <a:rPr lang="ko-KR" altLang="en-US"/>
               <a:t>발표 주제 바닥글 수정</a:t>
             </a:r>
             <a:r>
-              <a:rPr lang="en-US" altLang="ko-KR" smtClean="0"/>
+              <a:rPr lang="en-US" altLang="ko-KR"/>
               <a:t>}</a:t>
             </a:r>
             <a:endParaRPr lang="en-US"/>
@@ -8471,7 +8471,7 @@
           <a:p>
             <a:fld id="{9E8A9E1E-AE0E-4A48-95EA-91938BD5E9F0}" type="datetime1">
               <a:rPr lang="ko-KR" altLang="en-US" smtClean="0"/>
-              <a:t>2019-07-10</a:t>
+              <a:t>2019-07-14</a:t>
             </a:fld>
             <a:endParaRPr lang="en-US"/>
           </a:p>
@@ -8493,15 +8493,15 @@
           <a:lstStyle/>
           <a:p>
             <a:r>
-              <a:rPr lang="en-US" altLang="ko-KR" smtClean="0"/>
+              <a:rPr lang="en-US" altLang="ko-KR"/>
               <a:t>{</a:t>
             </a:r>
             <a:r>
-              <a:rPr lang="ko-KR" altLang="en-US" smtClean="0"/>
+              <a:rPr lang="ko-KR" altLang="en-US"/>
               <a:t>발표 주제 바닥글 수정</a:t>
             </a:r>
             <a:r>
-              <a:rPr lang="en-US" altLang="ko-KR" smtClean="0"/>
+              <a:rPr lang="en-US" altLang="ko-KR"/>
               <a:t>}</a:t>
             </a:r>
             <a:endParaRPr lang="en-US"/>
@@ -8653,7 +8653,7 @@
           <a:p>
             <a:fld id="{87E00A65-1955-4186-AF42-E92A051B257D}" type="datetime1">
               <a:rPr lang="ko-KR" altLang="en-US" smtClean="0"/>
-              <a:t>2019-07-10</a:t>
+              <a:t>2019-07-14</a:t>
             </a:fld>
             <a:endParaRPr lang="en-US"/>
           </a:p>
@@ -8675,15 +8675,15 @@
           <a:lstStyle/>
           <a:p>
             <a:r>
-              <a:rPr lang="en-US" altLang="ko-KR" smtClean="0"/>
+              <a:rPr lang="en-US" altLang="ko-KR"/>
               <a:t>{</a:t>
             </a:r>
             <a:r>
-              <a:rPr lang="ko-KR" altLang="en-US" smtClean="0"/>
+              <a:rPr lang="ko-KR" altLang="en-US"/>
               <a:t>발표 주제 바닥글 수정</a:t>
             </a:r>
             <a:r>
-              <a:rPr lang="en-US" altLang="ko-KR" smtClean="0"/>
+              <a:rPr lang="en-US" altLang="ko-KR"/>
               <a:t>}</a:t>
             </a:r>
             <a:endParaRPr lang="en-US"/>
@@ -8912,7 +8912,7 @@
           <a:p>
             <a:fld id="{5897D560-716E-496D-ACC5-C639977EA19A}" type="datetime1">
               <a:rPr lang="ko-KR" altLang="en-US" smtClean="0"/>
-              <a:t>2019-07-10</a:t>
+              <a:t>2019-07-14</a:t>
             </a:fld>
             <a:endParaRPr lang="en-US"/>
           </a:p>
@@ -8934,15 +8934,15 @@
           <a:lstStyle/>
           <a:p>
             <a:r>
-              <a:rPr lang="en-US" altLang="ko-KR" smtClean="0"/>
+              <a:rPr lang="en-US" altLang="ko-KR"/>
               <a:t>{</a:t>
             </a:r>
             <a:r>
-              <a:rPr lang="ko-KR" altLang="en-US" smtClean="0"/>
+              <a:rPr lang="ko-KR" altLang="en-US"/>
               <a:t>발표 주제 바닥글 수정</a:t>
             </a:r>
             <a:r>
-              <a:rPr lang="en-US" altLang="ko-KR" smtClean="0"/>
+              <a:rPr lang="en-US" altLang="ko-KR"/>
               <a:t>}</a:t>
             </a:r>
             <a:endParaRPr lang="en-US"/>
@@ -9236,7 +9236,7 @@
           <a:p>
             <a:fld id="{8FBC2B8A-FB4A-44C0-A248-5CDF1FBB4724}" type="datetime1">
               <a:rPr lang="ko-KR" altLang="en-US" smtClean="0"/>
-              <a:t>2019-07-10</a:t>
+              <a:t>2019-07-14</a:t>
             </a:fld>
             <a:endParaRPr lang="en-US"/>
           </a:p>
@@ -9258,15 +9258,15 @@
           <a:lstStyle/>
           <a:p>
             <a:r>
-              <a:rPr lang="en-US" altLang="ko-KR" smtClean="0"/>
+              <a:rPr lang="en-US" altLang="ko-KR"/>
               <a:t>{</a:t>
             </a:r>
             <a:r>
-              <a:rPr lang="ko-KR" altLang="en-US" smtClean="0"/>
+              <a:rPr lang="ko-KR" altLang="en-US"/>
               <a:t>발표 주제 바닥글 수정</a:t>
             </a:r>
             <a:r>
-              <a:rPr lang="en-US" altLang="ko-KR" smtClean="0"/>
+              <a:rPr lang="en-US" altLang="ko-KR"/>
               <a:t>}</a:t>
             </a:r>
             <a:endParaRPr lang="en-US"/>
@@ -9580,7 +9580,7 @@
           <a:p>
             <a:fld id="{6C9EB3B3-8ABF-4438-B18A-131F4AD52673}" type="datetime1">
               <a:rPr lang="ko-KR" altLang="en-US" smtClean="0"/>
-              <a:t>2019-07-10</a:t>
+              <a:t>2019-07-14</a:t>
             </a:fld>
             <a:endParaRPr lang="en-US"/>
           </a:p>
@@ -9602,15 +9602,15 @@
           <a:lstStyle/>
           <a:p>
             <a:r>
-              <a:rPr lang="en-US" altLang="ko-KR" smtClean="0"/>
+              <a:rPr lang="en-US" altLang="ko-KR"/>
               <a:t>{</a:t>
             </a:r>
             <a:r>
-              <a:rPr lang="ko-KR" altLang="en-US" smtClean="0"/>
+              <a:rPr lang="ko-KR" altLang="en-US"/>
               <a:t>발표 주제 바닥글 수정</a:t>
             </a:r>
             <a:r>
-              <a:rPr lang="en-US" altLang="ko-KR" smtClean="0"/>
+              <a:rPr lang="en-US" altLang="ko-KR"/>
               <a:t>}</a:t>
             </a:r>
             <a:endParaRPr lang="en-US"/>
@@ -9867,7 +9867,7 @@
           <a:p>
             <a:fld id="{4BB1D6E9-035F-4354-BA35-9846ABCCA34B}" type="datetime1">
               <a:rPr lang="ko-KR" altLang="en-US" smtClean="0"/>
-              <a:t>2019-07-10</a:t>
+              <a:t>2019-07-14</a:t>
             </a:fld>
             <a:endParaRPr lang="en-US"/>
           </a:p>
@@ -9889,15 +9889,15 @@
           <a:lstStyle/>
           <a:p>
             <a:r>
-              <a:rPr lang="en-US" altLang="ko-KR" smtClean="0"/>
+              <a:rPr lang="en-US" altLang="ko-KR"/>
               <a:t>{</a:t>
             </a:r>
             <a:r>
-              <a:rPr lang="ko-KR" altLang="en-US" smtClean="0"/>
+              <a:rPr lang="ko-KR" altLang="en-US"/>
               <a:t>발표 주제 바닥글 수정</a:t>
             </a:r>
             <a:r>
-              <a:rPr lang="en-US" altLang="ko-KR" smtClean="0"/>
+              <a:rPr lang="en-US" altLang="ko-KR"/>
               <a:t>}</a:t>
             </a:r>
             <a:endParaRPr lang="en-US"/>
@@ -10191,7 +10191,7 @@
           <a:p>
             <a:fld id="{33E3F7E2-9C10-418D-83AF-E278B1F16C2D}" type="datetime1">
               <a:rPr lang="ko-KR" altLang="en-US" smtClean="0"/>
-              <a:t>2019-07-10</a:t>
+              <a:t>2019-07-14</a:t>
             </a:fld>
             <a:endParaRPr lang="en-US"/>
           </a:p>
@@ -10213,15 +10213,15 @@
           <a:lstStyle/>
           <a:p>
             <a:r>
-              <a:rPr lang="en-US" altLang="ko-KR" smtClean="0"/>
+              <a:rPr lang="en-US" altLang="ko-KR"/>
               <a:t>{</a:t>
             </a:r>
             <a:r>
-              <a:rPr lang="ko-KR" altLang="en-US" smtClean="0"/>
+              <a:rPr lang="ko-KR" altLang="en-US"/>
               <a:t>발표 주제 바닥글 수정</a:t>
             </a:r>
             <a:r>
-              <a:rPr lang="en-US" altLang="ko-KR" smtClean="0"/>
+              <a:rPr lang="en-US" altLang="ko-KR"/>
               <a:t>}</a:t>
             </a:r>
             <a:endParaRPr lang="en-US"/>
@@ -10613,7 +10613,7 @@
           <a:p>
             <a:fld id="{F57C67A1-B7EE-4FA2-AF8F-DCEA62099769}" type="datetime1">
               <a:rPr lang="ko-KR" altLang="en-US" smtClean="0"/>
-              <a:t>2019-07-10</a:t>
+              <a:t>2019-07-14</a:t>
             </a:fld>
             <a:endParaRPr lang="en-US"/>
           </a:p>
@@ -10635,15 +10635,15 @@
           <a:lstStyle/>
           <a:p>
             <a:r>
-              <a:rPr lang="en-US" altLang="ko-KR" smtClean="0"/>
+              <a:rPr lang="en-US" altLang="ko-KR"/>
               <a:t>{</a:t>
             </a:r>
             <a:r>
-              <a:rPr lang="ko-KR" altLang="en-US" smtClean="0"/>
+              <a:rPr lang="ko-KR" altLang="en-US"/>
               <a:t>발표 주제 바닥글 수정</a:t>
             </a:r>
             <a:r>
-              <a:rPr lang="en-US" altLang="ko-KR" smtClean="0"/>
+              <a:rPr lang="en-US" altLang="ko-KR"/>
               <a:t>}</a:t>
             </a:r>
             <a:endParaRPr lang="en-US"/>
@@ -10743,7 +10743,7 @@
           <a:p>
             <a:fld id="{EDE656DD-1A09-452E-9C8C-349EE45DA79A}" type="datetime1">
               <a:rPr lang="ko-KR" altLang="en-US" smtClean="0"/>
-              <a:t>2019-07-10</a:t>
+              <a:t>2019-07-14</a:t>
             </a:fld>
             <a:endParaRPr lang="en-US"/>
           </a:p>
@@ -10770,15 +10770,15 @@
           <a:lstStyle/>
           <a:p>
             <a:r>
-              <a:rPr lang="en-US" altLang="ko-KR" smtClean="0"/>
+              <a:rPr lang="en-US" altLang="ko-KR"/>
               <a:t>{</a:t>
             </a:r>
             <a:r>
-              <a:rPr lang="ko-KR" altLang="en-US" smtClean="0"/>
+              <a:rPr lang="ko-KR" altLang="en-US"/>
               <a:t>발표 주제 바닥글 수정</a:t>
             </a:r>
             <a:r>
-              <a:rPr lang="en-US" altLang="ko-KR" smtClean="0"/>
+              <a:rPr lang="en-US" altLang="ko-KR"/>
               <a:t>}</a:t>
             </a:r>
             <a:endParaRPr lang="en-US"/>
@@ -11018,7 +11018,7 @@
           <a:p>
             <a:fld id="{A7C53B0D-9156-4C2B-AF4D-B68168F6ED36}" type="datetime1">
               <a:rPr lang="ko-KR" altLang="en-US" smtClean="0"/>
-              <a:t>2019-07-10</a:t>
+              <a:t>2019-07-14</a:t>
             </a:fld>
             <a:endParaRPr lang="en-US"/>
           </a:p>
@@ -11060,15 +11060,15 @@
           </a:lstStyle>
           <a:p>
             <a:r>
-              <a:rPr lang="en-US" altLang="ko-KR" smtClean="0"/>
+              <a:rPr lang="en-US" altLang="ko-KR"/>
               <a:t>{</a:t>
             </a:r>
             <a:r>
-              <a:rPr lang="ko-KR" altLang="en-US" smtClean="0"/>
+              <a:rPr lang="ko-KR" altLang="en-US"/>
               <a:t>발표 주제 바닥글 수정</a:t>
             </a:r>
             <a:r>
-              <a:rPr lang="en-US" altLang="ko-KR" smtClean="0"/>
+              <a:rPr lang="en-US" altLang="ko-KR"/>
               <a:t>}</a:t>
             </a:r>
             <a:endParaRPr lang="en-US"/>
@@ -11463,8 +11463,16 @@
           <a:lstStyle/>
           <a:p>
             <a:r>
-              <a:rPr lang="ko-KR" altLang="en-US" sz="4800" smtClean="0"/>
-              <a:t>드론 멘토링</a:t>
+              <a:rPr lang="en-US" altLang="ko-KR" sz="4800" dirty="0"/>
+              <a:t>{</a:t>
+            </a:r>
+            <a:r>
+              <a:rPr lang="ko-KR" altLang="en-US" sz="4800" dirty="0"/>
+              <a:t>발표 제목</a:t>
+            </a:r>
+            <a:r>
+              <a:rPr lang="en-US" altLang="ko-KR" sz="4800" dirty="0"/>
+              <a:t>}</a:t>
             </a:r>
             <a:endParaRPr lang="en-US" sz="4800" dirty="0"/>
           </a:p>
@@ -11488,7 +11496,7 @@
         </p:spPr>
         <p:txBody>
           <a:bodyPr anchor="ctr">
-            <a:normAutofit fontScale="92500" lnSpcReduction="20000"/>
+            <a:normAutofit fontScale="70000" lnSpcReduction="20000"/>
           </a:bodyPr>
           <a:lstStyle/>
           <a:p>
@@ -11502,23 +11510,23 @@
               <a:t>2019</a:t>
             </a:r>
             <a:r>
-              <a:rPr lang="ko-KR" altLang="en-US"/>
+              <a:rPr lang="ko-KR" altLang="en-US" dirty="0"/>
               <a:t>년 </a:t>
             </a:r>
             <a:r>
-              <a:rPr lang="en-US" altLang="ko-KR"/>
-              <a:t>7</a:t>
-            </a:r>
-            <a:r>
-              <a:rPr lang="ko-KR" altLang="en-US" smtClean="0"/>
+              <a:rPr lang="en-US" altLang="ko-KR" dirty="0"/>
+              <a:t>{XX} </a:t>
+            </a:r>
+            <a:r>
+              <a:rPr lang="ko-KR" altLang="en-US" dirty="0"/>
               <a:t>월 </a:t>
             </a:r>
             <a:r>
-              <a:rPr lang="en-US" altLang="ko-KR" smtClean="0"/>
-              <a:t>XX </a:t>
-            </a:r>
-            <a:r>
-              <a:rPr lang="ko-KR" altLang="en-US" smtClean="0"/>
+              <a:rPr lang="en-US" altLang="ko-KR" dirty="0"/>
+              <a:t>{XX} </a:t>
+            </a:r>
+            <a:r>
+              <a:rPr lang="ko-KR" altLang="en-US" dirty="0"/>
               <a:t>일</a:t>
             </a:r>
             <a:endParaRPr lang="en-US" altLang="ko-KR" dirty="0"/>
@@ -11530,15 +11538,15 @@
               </a:lnSpc>
             </a:pPr>
             <a:r>
-              <a:rPr lang="en-US" altLang="ko-KR" smtClean="0"/>
+              <a:rPr lang="en-US" altLang="ko-KR" dirty="0"/>
               <a:t>{</a:t>
             </a:r>
             <a:r>
-              <a:rPr lang="ko-KR" altLang="en-US" smtClean="0"/>
+              <a:rPr lang="ko-KR" altLang="en-US" dirty="0"/>
               <a:t>발표자 이름</a:t>
             </a:r>
             <a:r>
-              <a:rPr lang="en-US" altLang="ko-KR" smtClean="0"/>
+              <a:rPr lang="en-US" altLang="ko-KR" dirty="0"/>
               <a:t>}</a:t>
             </a:r>
             <a:endParaRPr lang="en-US" dirty="0"/>
@@ -11550,10 +11558,10 @@
               </a:lnSpc>
             </a:pPr>
             <a:r>
-              <a:rPr lang="ko-KR" altLang="en-US" smtClean="0"/>
+              <a:rPr lang="ko-KR" altLang="en-US" dirty="0"/>
               <a:t>한세대학교  일반대학원</a:t>
             </a:r>
-            <a:endParaRPr lang="en-US" altLang="ko-KR" smtClean="0"/>
+            <a:endParaRPr lang="en-US" altLang="ko-KR" dirty="0"/>
           </a:p>
           <a:p>
             <a:pPr>
@@ -11562,16 +11570,28 @@
               </a:lnSpc>
             </a:pPr>
             <a:r>
-              <a:rPr lang="en-US" altLang="ko-KR" smtClean="0"/>
-              <a:t>IT </a:t>
-            </a:r>
-            <a:r>
-              <a:rPr lang="ko-KR" altLang="en-US" smtClean="0"/>
-              <a:t>융합 드론 </a:t>
+              <a:rPr lang="en-US" altLang="ko-KR" dirty="0"/>
+              <a:t>IT</a:t>
+            </a:r>
+            <a:r>
+              <a:rPr lang="ko-KR" altLang="en-US" dirty="0"/>
+              <a:t>융합전자</a:t>
             </a:r>
             <a:r>
               <a:rPr lang="ko-KR" altLang="en-US"/>
-              <a:t>멘토링 과정</a:t>
+              <a:t>*지능로봇공학과</a:t>
+            </a:r>
+            <a:endParaRPr lang="en-US" altLang="ko-KR" dirty="0"/>
+          </a:p>
+          <a:p>
+            <a:pPr>
+              <a:lnSpc>
+                <a:spcPct val="150000"/>
+              </a:lnSpc>
+            </a:pPr>
+            <a:r>
+              <a:rPr lang="ko-KR" altLang="en-US" dirty="0"/>
+              <a:t>드론 멘토링 과정</a:t>
             </a:r>
             <a:endParaRPr lang="en-US" dirty="0"/>
           </a:p>
@@ -11674,7 +11694,7 @@
           <a:p>
             <a:fld id="{86B52D89-234C-4EA5-93FD-523499A38989}" type="datetime1">
               <a:rPr lang="ko-KR" altLang="en-US" smtClean="0"/>
-              <a:t>2019-07-10</a:t>
+              <a:t>2019-07-14</a:t>
             </a:fld>
             <a:endParaRPr lang="en-US"/>
           </a:p>
@@ -11696,15 +11716,15 @@
           <a:lstStyle/>
           <a:p>
             <a:r>
-              <a:rPr lang="en-US" altLang="ko-KR" smtClean="0"/>
+              <a:rPr lang="en-US" altLang="ko-KR"/>
               <a:t>{</a:t>
             </a:r>
             <a:r>
-              <a:rPr lang="ko-KR" altLang="en-US" smtClean="0"/>
+              <a:rPr lang="ko-KR" altLang="en-US"/>
               <a:t>발표 주제 바닥글 수정</a:t>
             </a:r>
             <a:r>
-              <a:rPr lang="en-US" altLang="ko-KR" smtClean="0"/>
+              <a:rPr lang="en-US" altLang="ko-KR"/>
               <a:t>}</a:t>
             </a:r>
             <a:endParaRPr lang="en-US"/>
@@ -11837,7 +11857,7 @@
           <a:p>
             <a:fld id="{22C715FD-191D-4438-8D52-621D8B0E0666}" type="datetime1">
               <a:rPr lang="ko-KR" altLang="en-US" smtClean="0"/>
-              <a:t>2019-07-10</a:t>
+              <a:t>2019-07-14</a:t>
             </a:fld>
             <a:endParaRPr lang="en-US"/>
           </a:p>
@@ -11859,15 +11879,15 @@
           <a:lstStyle/>
           <a:p>
             <a:r>
-              <a:rPr lang="en-US" altLang="ko-KR" smtClean="0"/>
+              <a:rPr lang="en-US" altLang="ko-KR"/>
               <a:t>{</a:t>
             </a:r>
             <a:r>
-              <a:rPr lang="ko-KR" altLang="en-US" smtClean="0"/>
+              <a:rPr lang="ko-KR" altLang="en-US"/>
               <a:t>발표 주제 바닥글 수정</a:t>
             </a:r>
             <a:r>
-              <a:rPr lang="en-US" altLang="ko-KR" smtClean="0"/>
+              <a:rPr lang="en-US" altLang="ko-KR"/>
               <a:t>}</a:t>
             </a:r>
             <a:endParaRPr lang="en-US"/>
